--- a/ppt 16-9/0521.起来！到父亲那.pptx
+++ b/ppt 16-9/0521.起来！到父亲那.pptx
@@ -129,7 +129,7 @@
           <p:cNvPr id="2" name="标题 1">
             <a:extLst>
               <a:ext uri="{FF2B5EF4-FFF2-40B4-BE49-F238E27FC236}">
-                <a16:creationId xmlns:a16="http://schemas.microsoft.com/office/drawing/2014/main" id="{E11E8CB9-F82E-2C7C-83E5-C7CADD27AC26}"/>
+                <a16:creationId xmlns:a16="http://schemas.microsoft.com/office/drawing/2014/main" id="{5728602D-EB7D-BDB8-9798-2D065FAD0F2C}"/>
               </a:ext>
             </a:extLst>
           </p:cNvPr>
@@ -166,7 +166,7 @@
           <p:cNvPr id="3" name="副标题 2">
             <a:extLst>
               <a:ext uri="{FF2B5EF4-FFF2-40B4-BE49-F238E27FC236}">
-                <a16:creationId xmlns:a16="http://schemas.microsoft.com/office/drawing/2014/main" id="{34D439C1-4977-C62C-BE5D-C4E698DA43F8}"/>
+                <a16:creationId xmlns:a16="http://schemas.microsoft.com/office/drawing/2014/main" id="{3DBDE54F-4F29-BE83-36DD-2EB266076733}"/>
               </a:ext>
             </a:extLst>
           </p:cNvPr>
@@ -236,7 +236,7 @@
           <p:cNvPr id="4" name="日期占位符 3">
             <a:extLst>
               <a:ext uri="{FF2B5EF4-FFF2-40B4-BE49-F238E27FC236}">
-                <a16:creationId xmlns:a16="http://schemas.microsoft.com/office/drawing/2014/main" id="{95BC37E7-48AC-1F67-A5A5-8C0EBCA14E02}"/>
+                <a16:creationId xmlns:a16="http://schemas.microsoft.com/office/drawing/2014/main" id="{E97FA897-4495-0ABD-5CF3-507984B88FBA}"/>
               </a:ext>
             </a:extLst>
           </p:cNvPr>
@@ -252,7 +252,7 @@
           <a:bodyPr/>
           <a:lstStyle/>
           <a:p>
-            <a:fld id="{52542B83-950C-4C50-A61F-34AD5B9C4811}" type="datetimeFigureOut">
+            <a:fld id="{5789D219-1429-4BBB-813B-C9A2F3C61281}" type="datetimeFigureOut">
               <a:rPr lang="zh-CN" altLang="en-US" smtClean="0"/>
               <a:t>2024/3/10</a:t>
             </a:fld>
@@ -265,7 +265,7 @@
           <p:cNvPr id="5" name="页脚占位符 4">
             <a:extLst>
               <a:ext uri="{FF2B5EF4-FFF2-40B4-BE49-F238E27FC236}">
-                <a16:creationId xmlns:a16="http://schemas.microsoft.com/office/drawing/2014/main" id="{6E785DFA-D07D-41E7-7630-4338C4FBC0E1}"/>
+                <a16:creationId xmlns:a16="http://schemas.microsoft.com/office/drawing/2014/main" id="{66FFB619-C1EA-9B1F-0A83-7DCE8A482F55}"/>
               </a:ext>
             </a:extLst>
           </p:cNvPr>
@@ -290,7 +290,7 @@
           <p:cNvPr id="6" name="灯片编号占位符 5">
             <a:extLst>
               <a:ext uri="{FF2B5EF4-FFF2-40B4-BE49-F238E27FC236}">
-                <a16:creationId xmlns:a16="http://schemas.microsoft.com/office/drawing/2014/main" id="{7855F8E9-3F18-5598-423A-1048C32B4EF9}"/>
+                <a16:creationId xmlns:a16="http://schemas.microsoft.com/office/drawing/2014/main" id="{681BB1E3-C82A-9788-A9A7-F945C4101AF6}"/>
               </a:ext>
             </a:extLst>
           </p:cNvPr>
@@ -306,7 +306,7 @@
           <a:bodyPr/>
           <a:lstStyle/>
           <a:p>
-            <a:fld id="{61A77A04-24DD-4303-8676-AB6AA7BB8657}" type="slidenum">
+            <a:fld id="{22AA61B1-1CCB-4AC5-9AD0-C810723D13F8}" type="slidenum">
               <a:rPr lang="zh-CN" altLang="en-US" smtClean="0"/>
               <a:t>‹#›</a:t>
             </a:fld>
@@ -317,7 +317,7 @@
     </p:spTree>
     <p:extLst>
       <p:ext uri="{BB962C8B-B14F-4D97-AF65-F5344CB8AC3E}">
-        <p14:creationId xmlns:p14="http://schemas.microsoft.com/office/powerpoint/2010/main" val="3703972288"/>
+        <p14:creationId xmlns:p14="http://schemas.microsoft.com/office/powerpoint/2010/main" val="3560299449"/>
       </p:ext>
     </p:extLst>
   </p:cSld>
@@ -349,7 +349,7 @@
           <p:cNvPr id="2" name="标题 1">
             <a:extLst>
               <a:ext uri="{FF2B5EF4-FFF2-40B4-BE49-F238E27FC236}">
-                <a16:creationId xmlns:a16="http://schemas.microsoft.com/office/drawing/2014/main" id="{64B62343-CEA2-AE10-9AAF-5D0A7BC4A049}"/>
+                <a16:creationId xmlns:a16="http://schemas.microsoft.com/office/drawing/2014/main" id="{047156B5-5735-ADBD-D3B2-B1BB2E3BBE2E}"/>
               </a:ext>
             </a:extLst>
           </p:cNvPr>
@@ -377,7 +377,7 @@
           <p:cNvPr id="3" name="竖排文字占位符 2">
             <a:extLst>
               <a:ext uri="{FF2B5EF4-FFF2-40B4-BE49-F238E27FC236}">
-                <a16:creationId xmlns:a16="http://schemas.microsoft.com/office/drawing/2014/main" id="{4247B4C8-3205-C375-84F6-898CB88E2AD3}"/>
+                <a16:creationId xmlns:a16="http://schemas.microsoft.com/office/drawing/2014/main" id="{3CF8622E-0D1C-47D5-F854-CF726117EAB8}"/>
               </a:ext>
             </a:extLst>
           </p:cNvPr>
@@ -434,7 +434,7 @@
           <p:cNvPr id="4" name="日期占位符 3">
             <a:extLst>
               <a:ext uri="{FF2B5EF4-FFF2-40B4-BE49-F238E27FC236}">
-                <a16:creationId xmlns:a16="http://schemas.microsoft.com/office/drawing/2014/main" id="{9933F464-E4C5-D6CA-8780-DA130728835F}"/>
+                <a16:creationId xmlns:a16="http://schemas.microsoft.com/office/drawing/2014/main" id="{EC903617-A37E-F86B-E3D0-E164120BD025}"/>
               </a:ext>
             </a:extLst>
           </p:cNvPr>
@@ -450,7 +450,7 @@
           <a:bodyPr/>
           <a:lstStyle/>
           <a:p>
-            <a:fld id="{52542B83-950C-4C50-A61F-34AD5B9C4811}" type="datetimeFigureOut">
+            <a:fld id="{5789D219-1429-4BBB-813B-C9A2F3C61281}" type="datetimeFigureOut">
               <a:rPr lang="zh-CN" altLang="en-US" smtClean="0"/>
               <a:t>2024/3/10</a:t>
             </a:fld>
@@ -463,7 +463,7 @@
           <p:cNvPr id="5" name="页脚占位符 4">
             <a:extLst>
               <a:ext uri="{FF2B5EF4-FFF2-40B4-BE49-F238E27FC236}">
-                <a16:creationId xmlns:a16="http://schemas.microsoft.com/office/drawing/2014/main" id="{81D61DA6-F861-5A59-EA26-A791B98AA3A1}"/>
+                <a16:creationId xmlns:a16="http://schemas.microsoft.com/office/drawing/2014/main" id="{7AFDD8C7-D185-D615-42F3-3935B8CF4999}"/>
               </a:ext>
             </a:extLst>
           </p:cNvPr>
@@ -488,7 +488,7 @@
           <p:cNvPr id="6" name="灯片编号占位符 5">
             <a:extLst>
               <a:ext uri="{FF2B5EF4-FFF2-40B4-BE49-F238E27FC236}">
-                <a16:creationId xmlns:a16="http://schemas.microsoft.com/office/drawing/2014/main" id="{2CC050BC-D097-9815-7E6A-8C2C1F4BA3B0}"/>
+                <a16:creationId xmlns:a16="http://schemas.microsoft.com/office/drawing/2014/main" id="{4296B852-58BD-C466-32B4-A0398756062E}"/>
               </a:ext>
             </a:extLst>
           </p:cNvPr>
@@ -504,7 +504,7 @@
           <a:bodyPr/>
           <a:lstStyle/>
           <a:p>
-            <a:fld id="{61A77A04-24DD-4303-8676-AB6AA7BB8657}" type="slidenum">
+            <a:fld id="{22AA61B1-1CCB-4AC5-9AD0-C810723D13F8}" type="slidenum">
               <a:rPr lang="zh-CN" altLang="en-US" smtClean="0"/>
               <a:t>‹#›</a:t>
             </a:fld>
@@ -515,7 +515,7 @@
     </p:spTree>
     <p:extLst>
       <p:ext uri="{BB962C8B-B14F-4D97-AF65-F5344CB8AC3E}">
-        <p14:creationId xmlns:p14="http://schemas.microsoft.com/office/powerpoint/2010/main" val="3861444981"/>
+        <p14:creationId xmlns:p14="http://schemas.microsoft.com/office/powerpoint/2010/main" val="3420741851"/>
       </p:ext>
     </p:extLst>
   </p:cSld>
@@ -547,7 +547,7 @@
           <p:cNvPr id="2" name="竖排标题 1">
             <a:extLst>
               <a:ext uri="{FF2B5EF4-FFF2-40B4-BE49-F238E27FC236}">
-                <a16:creationId xmlns:a16="http://schemas.microsoft.com/office/drawing/2014/main" id="{AB6D847E-9D83-411F-3A55-7C7AFBB19FF2}"/>
+                <a16:creationId xmlns:a16="http://schemas.microsoft.com/office/drawing/2014/main" id="{D8AE8136-F02A-46D5-FC49-3398EEC28096}"/>
               </a:ext>
             </a:extLst>
           </p:cNvPr>
@@ -580,7 +580,7 @@
           <p:cNvPr id="3" name="竖排文字占位符 2">
             <a:extLst>
               <a:ext uri="{FF2B5EF4-FFF2-40B4-BE49-F238E27FC236}">
-                <a16:creationId xmlns:a16="http://schemas.microsoft.com/office/drawing/2014/main" id="{0ABCC58A-8D9C-0BBC-4314-B829B8E5C963}"/>
+                <a16:creationId xmlns:a16="http://schemas.microsoft.com/office/drawing/2014/main" id="{784C4746-A1F1-0DDD-417C-9678200259B7}"/>
               </a:ext>
             </a:extLst>
           </p:cNvPr>
@@ -642,7 +642,7 @@
           <p:cNvPr id="4" name="日期占位符 3">
             <a:extLst>
               <a:ext uri="{FF2B5EF4-FFF2-40B4-BE49-F238E27FC236}">
-                <a16:creationId xmlns:a16="http://schemas.microsoft.com/office/drawing/2014/main" id="{B83D9F02-5F95-072F-3A6E-CB82B6CF7BC5}"/>
+                <a16:creationId xmlns:a16="http://schemas.microsoft.com/office/drawing/2014/main" id="{162A9A95-B437-8C35-1FE5-8C72308D459C}"/>
               </a:ext>
             </a:extLst>
           </p:cNvPr>
@@ -658,7 +658,7 @@
           <a:bodyPr/>
           <a:lstStyle/>
           <a:p>
-            <a:fld id="{52542B83-950C-4C50-A61F-34AD5B9C4811}" type="datetimeFigureOut">
+            <a:fld id="{5789D219-1429-4BBB-813B-C9A2F3C61281}" type="datetimeFigureOut">
               <a:rPr lang="zh-CN" altLang="en-US" smtClean="0"/>
               <a:t>2024/3/10</a:t>
             </a:fld>
@@ -671,7 +671,7 @@
           <p:cNvPr id="5" name="页脚占位符 4">
             <a:extLst>
               <a:ext uri="{FF2B5EF4-FFF2-40B4-BE49-F238E27FC236}">
-                <a16:creationId xmlns:a16="http://schemas.microsoft.com/office/drawing/2014/main" id="{B023E705-90DB-2A9F-DBA3-7C65893E0DC7}"/>
+                <a16:creationId xmlns:a16="http://schemas.microsoft.com/office/drawing/2014/main" id="{80DC965D-4BFA-6B31-1C2E-0FD7A2BC3A10}"/>
               </a:ext>
             </a:extLst>
           </p:cNvPr>
@@ -696,7 +696,7 @@
           <p:cNvPr id="6" name="灯片编号占位符 5">
             <a:extLst>
               <a:ext uri="{FF2B5EF4-FFF2-40B4-BE49-F238E27FC236}">
-                <a16:creationId xmlns:a16="http://schemas.microsoft.com/office/drawing/2014/main" id="{AC8B2FEF-E4A8-2670-657A-D1CCDB725EA4}"/>
+                <a16:creationId xmlns:a16="http://schemas.microsoft.com/office/drawing/2014/main" id="{6F972B84-3991-1C05-6231-393CC26EE65F}"/>
               </a:ext>
             </a:extLst>
           </p:cNvPr>
@@ -712,7 +712,7 @@
           <a:bodyPr/>
           <a:lstStyle/>
           <a:p>
-            <a:fld id="{61A77A04-24DD-4303-8676-AB6AA7BB8657}" type="slidenum">
+            <a:fld id="{22AA61B1-1CCB-4AC5-9AD0-C810723D13F8}" type="slidenum">
               <a:rPr lang="zh-CN" altLang="en-US" smtClean="0"/>
               <a:t>‹#›</a:t>
             </a:fld>
@@ -723,7 +723,7 @@
     </p:spTree>
     <p:extLst>
       <p:ext uri="{BB962C8B-B14F-4D97-AF65-F5344CB8AC3E}">
-        <p14:creationId xmlns:p14="http://schemas.microsoft.com/office/powerpoint/2010/main" val="3733323016"/>
+        <p14:creationId xmlns:p14="http://schemas.microsoft.com/office/powerpoint/2010/main" val="2472317261"/>
       </p:ext>
     </p:extLst>
   </p:cSld>
@@ -755,7 +755,7 @@
           <p:cNvPr id="2" name="标题 1">
             <a:extLst>
               <a:ext uri="{FF2B5EF4-FFF2-40B4-BE49-F238E27FC236}">
-                <a16:creationId xmlns:a16="http://schemas.microsoft.com/office/drawing/2014/main" id="{2838C0D2-5436-5FCF-5353-BDC04BFFB66F}"/>
+                <a16:creationId xmlns:a16="http://schemas.microsoft.com/office/drawing/2014/main" id="{CA7AAD61-CDA4-2035-30C8-8E94CB2327AF}"/>
               </a:ext>
             </a:extLst>
           </p:cNvPr>
@@ -783,7 +783,7 @@
           <p:cNvPr id="3" name="内容占位符 2">
             <a:extLst>
               <a:ext uri="{FF2B5EF4-FFF2-40B4-BE49-F238E27FC236}">
-                <a16:creationId xmlns:a16="http://schemas.microsoft.com/office/drawing/2014/main" id="{83B066C7-1B31-3D9D-9620-8F037500FE20}"/>
+                <a16:creationId xmlns:a16="http://schemas.microsoft.com/office/drawing/2014/main" id="{4AB5E54E-7607-E651-8510-A844BFA12043}"/>
               </a:ext>
             </a:extLst>
           </p:cNvPr>
@@ -840,7 +840,7 @@
           <p:cNvPr id="4" name="日期占位符 3">
             <a:extLst>
               <a:ext uri="{FF2B5EF4-FFF2-40B4-BE49-F238E27FC236}">
-                <a16:creationId xmlns:a16="http://schemas.microsoft.com/office/drawing/2014/main" id="{67BCEF81-01C2-9BA2-2717-E382221EA730}"/>
+                <a16:creationId xmlns:a16="http://schemas.microsoft.com/office/drawing/2014/main" id="{A4A279BD-A2E9-E73E-BC22-58AC168E31D0}"/>
               </a:ext>
             </a:extLst>
           </p:cNvPr>
@@ -856,7 +856,7 @@
           <a:bodyPr/>
           <a:lstStyle/>
           <a:p>
-            <a:fld id="{52542B83-950C-4C50-A61F-34AD5B9C4811}" type="datetimeFigureOut">
+            <a:fld id="{5789D219-1429-4BBB-813B-C9A2F3C61281}" type="datetimeFigureOut">
               <a:rPr lang="zh-CN" altLang="en-US" smtClean="0"/>
               <a:t>2024/3/10</a:t>
             </a:fld>
@@ -869,7 +869,7 @@
           <p:cNvPr id="5" name="页脚占位符 4">
             <a:extLst>
               <a:ext uri="{FF2B5EF4-FFF2-40B4-BE49-F238E27FC236}">
-                <a16:creationId xmlns:a16="http://schemas.microsoft.com/office/drawing/2014/main" id="{AEC6E57C-466D-25D9-D453-D4392BE809DB}"/>
+                <a16:creationId xmlns:a16="http://schemas.microsoft.com/office/drawing/2014/main" id="{8A930637-E566-9E18-B579-DC614DE2D1FB}"/>
               </a:ext>
             </a:extLst>
           </p:cNvPr>
@@ -894,7 +894,7 @@
           <p:cNvPr id="6" name="灯片编号占位符 5">
             <a:extLst>
               <a:ext uri="{FF2B5EF4-FFF2-40B4-BE49-F238E27FC236}">
-                <a16:creationId xmlns:a16="http://schemas.microsoft.com/office/drawing/2014/main" id="{BE177D4B-56CA-E1EB-B1F6-4052391C7C01}"/>
+                <a16:creationId xmlns:a16="http://schemas.microsoft.com/office/drawing/2014/main" id="{654793B3-D69F-CFC8-6FD3-6D99435E5181}"/>
               </a:ext>
             </a:extLst>
           </p:cNvPr>
@@ -910,7 +910,7 @@
           <a:bodyPr/>
           <a:lstStyle/>
           <a:p>
-            <a:fld id="{61A77A04-24DD-4303-8676-AB6AA7BB8657}" type="slidenum">
+            <a:fld id="{22AA61B1-1CCB-4AC5-9AD0-C810723D13F8}" type="slidenum">
               <a:rPr lang="zh-CN" altLang="en-US" smtClean="0"/>
               <a:t>‹#›</a:t>
             </a:fld>
@@ -921,7 +921,7 @@
     </p:spTree>
     <p:extLst>
       <p:ext uri="{BB962C8B-B14F-4D97-AF65-F5344CB8AC3E}">
-        <p14:creationId xmlns:p14="http://schemas.microsoft.com/office/powerpoint/2010/main" val="3991367861"/>
+        <p14:creationId xmlns:p14="http://schemas.microsoft.com/office/powerpoint/2010/main" val="1534411711"/>
       </p:ext>
     </p:extLst>
   </p:cSld>
@@ -953,7 +953,7 @@
           <p:cNvPr id="2" name="标题 1">
             <a:extLst>
               <a:ext uri="{FF2B5EF4-FFF2-40B4-BE49-F238E27FC236}">
-                <a16:creationId xmlns:a16="http://schemas.microsoft.com/office/drawing/2014/main" id="{CDDBC000-E1DC-5FAE-9809-44852930233F}"/>
+                <a16:creationId xmlns:a16="http://schemas.microsoft.com/office/drawing/2014/main" id="{FF9E5A2A-8334-A143-2FFD-59EAA50C0C69}"/>
               </a:ext>
             </a:extLst>
           </p:cNvPr>
@@ -990,7 +990,7 @@
           <p:cNvPr id="3" name="文本占位符 2">
             <a:extLst>
               <a:ext uri="{FF2B5EF4-FFF2-40B4-BE49-F238E27FC236}">
-                <a16:creationId xmlns:a16="http://schemas.microsoft.com/office/drawing/2014/main" id="{F53A8F5B-7CEE-E2F8-8C07-47CB33C4D86B}"/>
+                <a16:creationId xmlns:a16="http://schemas.microsoft.com/office/drawing/2014/main" id="{A722CADB-3AC7-020B-200A-A8A8D2F1211B}"/>
               </a:ext>
             </a:extLst>
           </p:cNvPr>
@@ -1115,7 +1115,7 @@
           <p:cNvPr id="4" name="日期占位符 3">
             <a:extLst>
               <a:ext uri="{FF2B5EF4-FFF2-40B4-BE49-F238E27FC236}">
-                <a16:creationId xmlns:a16="http://schemas.microsoft.com/office/drawing/2014/main" id="{12721E09-77E4-365C-E819-673DEBB3D5D5}"/>
+                <a16:creationId xmlns:a16="http://schemas.microsoft.com/office/drawing/2014/main" id="{C6B4CE68-45C5-F3D1-BCD1-1ED67A68923D}"/>
               </a:ext>
             </a:extLst>
           </p:cNvPr>
@@ -1131,7 +1131,7 @@
           <a:bodyPr/>
           <a:lstStyle/>
           <a:p>
-            <a:fld id="{52542B83-950C-4C50-A61F-34AD5B9C4811}" type="datetimeFigureOut">
+            <a:fld id="{5789D219-1429-4BBB-813B-C9A2F3C61281}" type="datetimeFigureOut">
               <a:rPr lang="zh-CN" altLang="en-US" smtClean="0"/>
               <a:t>2024/3/10</a:t>
             </a:fld>
@@ -1144,7 +1144,7 @@
           <p:cNvPr id="5" name="页脚占位符 4">
             <a:extLst>
               <a:ext uri="{FF2B5EF4-FFF2-40B4-BE49-F238E27FC236}">
-                <a16:creationId xmlns:a16="http://schemas.microsoft.com/office/drawing/2014/main" id="{3AB68FA7-30A6-AEA1-5954-9565230DD706}"/>
+                <a16:creationId xmlns:a16="http://schemas.microsoft.com/office/drawing/2014/main" id="{C972414C-8E1C-9848-19CC-2087C779AA35}"/>
               </a:ext>
             </a:extLst>
           </p:cNvPr>
@@ -1169,7 +1169,7 @@
           <p:cNvPr id="6" name="灯片编号占位符 5">
             <a:extLst>
               <a:ext uri="{FF2B5EF4-FFF2-40B4-BE49-F238E27FC236}">
-                <a16:creationId xmlns:a16="http://schemas.microsoft.com/office/drawing/2014/main" id="{DF07C1D0-E74E-79E4-2105-819CE7BD4981}"/>
+                <a16:creationId xmlns:a16="http://schemas.microsoft.com/office/drawing/2014/main" id="{AEBF70F7-A679-9A65-D6CE-907EC95F26D6}"/>
               </a:ext>
             </a:extLst>
           </p:cNvPr>
@@ -1185,7 +1185,7 @@
           <a:bodyPr/>
           <a:lstStyle/>
           <a:p>
-            <a:fld id="{61A77A04-24DD-4303-8676-AB6AA7BB8657}" type="slidenum">
+            <a:fld id="{22AA61B1-1CCB-4AC5-9AD0-C810723D13F8}" type="slidenum">
               <a:rPr lang="zh-CN" altLang="en-US" smtClean="0"/>
               <a:t>‹#›</a:t>
             </a:fld>
@@ -1196,7 +1196,7 @@
     </p:spTree>
     <p:extLst>
       <p:ext uri="{BB962C8B-B14F-4D97-AF65-F5344CB8AC3E}">
-        <p14:creationId xmlns:p14="http://schemas.microsoft.com/office/powerpoint/2010/main" val="3981962907"/>
+        <p14:creationId xmlns:p14="http://schemas.microsoft.com/office/powerpoint/2010/main" val="135174192"/>
       </p:ext>
     </p:extLst>
   </p:cSld>
@@ -1228,7 +1228,7 @@
           <p:cNvPr id="2" name="标题 1">
             <a:extLst>
               <a:ext uri="{FF2B5EF4-FFF2-40B4-BE49-F238E27FC236}">
-                <a16:creationId xmlns:a16="http://schemas.microsoft.com/office/drawing/2014/main" id="{F29AFC0E-EEF4-3EDA-F854-72774CC4DC1E}"/>
+                <a16:creationId xmlns:a16="http://schemas.microsoft.com/office/drawing/2014/main" id="{BEC63FB5-2B90-5D06-A8E8-BEC867900D1F}"/>
               </a:ext>
             </a:extLst>
           </p:cNvPr>
@@ -1256,7 +1256,7 @@
           <p:cNvPr id="3" name="内容占位符 2">
             <a:extLst>
               <a:ext uri="{FF2B5EF4-FFF2-40B4-BE49-F238E27FC236}">
-                <a16:creationId xmlns:a16="http://schemas.microsoft.com/office/drawing/2014/main" id="{559412C3-910B-D47B-86C5-5F896CB8A340}"/>
+                <a16:creationId xmlns:a16="http://schemas.microsoft.com/office/drawing/2014/main" id="{5489AF5F-3ECD-6872-6300-12AF332B721B}"/>
               </a:ext>
             </a:extLst>
           </p:cNvPr>
@@ -1318,7 +1318,7 @@
           <p:cNvPr id="4" name="内容占位符 3">
             <a:extLst>
               <a:ext uri="{FF2B5EF4-FFF2-40B4-BE49-F238E27FC236}">
-                <a16:creationId xmlns:a16="http://schemas.microsoft.com/office/drawing/2014/main" id="{B19FF510-102D-30D1-D7C1-D06AB028D8B5}"/>
+                <a16:creationId xmlns:a16="http://schemas.microsoft.com/office/drawing/2014/main" id="{503A4C5F-9CAF-C3DD-3220-E07B9EB75D5E}"/>
               </a:ext>
             </a:extLst>
           </p:cNvPr>
@@ -1380,7 +1380,7 @@
           <p:cNvPr id="5" name="日期占位符 4">
             <a:extLst>
               <a:ext uri="{FF2B5EF4-FFF2-40B4-BE49-F238E27FC236}">
-                <a16:creationId xmlns:a16="http://schemas.microsoft.com/office/drawing/2014/main" id="{DC4B0007-249F-8724-5B9E-2F2CC90FC5E8}"/>
+                <a16:creationId xmlns:a16="http://schemas.microsoft.com/office/drawing/2014/main" id="{FA353391-FDAC-4419-A8AD-2910C7AC56DA}"/>
               </a:ext>
             </a:extLst>
           </p:cNvPr>
@@ -1396,7 +1396,7 @@
           <a:bodyPr/>
           <a:lstStyle/>
           <a:p>
-            <a:fld id="{52542B83-950C-4C50-A61F-34AD5B9C4811}" type="datetimeFigureOut">
+            <a:fld id="{5789D219-1429-4BBB-813B-C9A2F3C61281}" type="datetimeFigureOut">
               <a:rPr lang="zh-CN" altLang="en-US" smtClean="0"/>
               <a:t>2024/3/10</a:t>
             </a:fld>
@@ -1409,7 +1409,7 @@
           <p:cNvPr id="6" name="页脚占位符 5">
             <a:extLst>
               <a:ext uri="{FF2B5EF4-FFF2-40B4-BE49-F238E27FC236}">
-                <a16:creationId xmlns:a16="http://schemas.microsoft.com/office/drawing/2014/main" id="{4367E87A-1A96-5849-0D1D-1FDDBF9CDEA7}"/>
+                <a16:creationId xmlns:a16="http://schemas.microsoft.com/office/drawing/2014/main" id="{A186B647-0196-AEFF-D62C-32AE2137B533}"/>
               </a:ext>
             </a:extLst>
           </p:cNvPr>
@@ -1434,7 +1434,7 @@
           <p:cNvPr id="7" name="灯片编号占位符 6">
             <a:extLst>
               <a:ext uri="{FF2B5EF4-FFF2-40B4-BE49-F238E27FC236}">
-                <a16:creationId xmlns:a16="http://schemas.microsoft.com/office/drawing/2014/main" id="{D533A565-596C-5F77-CEB2-91DBB90E7DFE}"/>
+                <a16:creationId xmlns:a16="http://schemas.microsoft.com/office/drawing/2014/main" id="{1558FF82-A74E-D377-6801-B3416E5EDF23}"/>
               </a:ext>
             </a:extLst>
           </p:cNvPr>
@@ -1450,7 +1450,7 @@
           <a:bodyPr/>
           <a:lstStyle/>
           <a:p>
-            <a:fld id="{61A77A04-24DD-4303-8676-AB6AA7BB8657}" type="slidenum">
+            <a:fld id="{22AA61B1-1CCB-4AC5-9AD0-C810723D13F8}" type="slidenum">
               <a:rPr lang="zh-CN" altLang="en-US" smtClean="0"/>
               <a:t>‹#›</a:t>
             </a:fld>
@@ -1461,7 +1461,7 @@
     </p:spTree>
     <p:extLst>
       <p:ext uri="{BB962C8B-B14F-4D97-AF65-F5344CB8AC3E}">
-        <p14:creationId xmlns:p14="http://schemas.microsoft.com/office/powerpoint/2010/main" val="3426398404"/>
+        <p14:creationId xmlns:p14="http://schemas.microsoft.com/office/powerpoint/2010/main" val="58435262"/>
       </p:ext>
     </p:extLst>
   </p:cSld>
@@ -1493,7 +1493,7 @@
           <p:cNvPr id="2" name="标题 1">
             <a:extLst>
               <a:ext uri="{FF2B5EF4-FFF2-40B4-BE49-F238E27FC236}">
-                <a16:creationId xmlns:a16="http://schemas.microsoft.com/office/drawing/2014/main" id="{1756E021-79E3-84EE-0E19-07DADB134F07}"/>
+                <a16:creationId xmlns:a16="http://schemas.microsoft.com/office/drawing/2014/main" id="{4603EE2D-5E5F-C3A5-F9DC-08DD4BBA5C0B}"/>
               </a:ext>
             </a:extLst>
           </p:cNvPr>
@@ -1526,7 +1526,7 @@
           <p:cNvPr id="3" name="文本占位符 2">
             <a:extLst>
               <a:ext uri="{FF2B5EF4-FFF2-40B4-BE49-F238E27FC236}">
-                <a16:creationId xmlns:a16="http://schemas.microsoft.com/office/drawing/2014/main" id="{096ED2F8-207A-C3D8-B350-ABE1AE0FC890}"/>
+                <a16:creationId xmlns:a16="http://schemas.microsoft.com/office/drawing/2014/main" id="{56539A23-9F53-F601-C18A-29639F28D24B}"/>
               </a:ext>
             </a:extLst>
           </p:cNvPr>
@@ -1597,7 +1597,7 @@
           <p:cNvPr id="4" name="内容占位符 3">
             <a:extLst>
               <a:ext uri="{FF2B5EF4-FFF2-40B4-BE49-F238E27FC236}">
-                <a16:creationId xmlns:a16="http://schemas.microsoft.com/office/drawing/2014/main" id="{C372755B-2F00-0F58-CC59-AD147D943F29}"/>
+                <a16:creationId xmlns:a16="http://schemas.microsoft.com/office/drawing/2014/main" id="{4E09339A-A2AE-4C10-9B41-2BC6C2E9C85B}"/>
               </a:ext>
             </a:extLst>
           </p:cNvPr>
@@ -1659,7 +1659,7 @@
           <p:cNvPr id="5" name="文本占位符 4">
             <a:extLst>
               <a:ext uri="{FF2B5EF4-FFF2-40B4-BE49-F238E27FC236}">
-                <a16:creationId xmlns:a16="http://schemas.microsoft.com/office/drawing/2014/main" id="{13DB0C1A-8B6B-0FC6-4AF5-D8821194AFFE}"/>
+                <a16:creationId xmlns:a16="http://schemas.microsoft.com/office/drawing/2014/main" id="{444CB356-D4C7-C9F3-1D48-E3C1C8C216B1}"/>
               </a:ext>
             </a:extLst>
           </p:cNvPr>
@@ -1730,7 +1730,7 @@
           <p:cNvPr id="6" name="内容占位符 5">
             <a:extLst>
               <a:ext uri="{FF2B5EF4-FFF2-40B4-BE49-F238E27FC236}">
-                <a16:creationId xmlns:a16="http://schemas.microsoft.com/office/drawing/2014/main" id="{AB4D7A86-9713-2482-E02E-171F583BB9ED}"/>
+                <a16:creationId xmlns:a16="http://schemas.microsoft.com/office/drawing/2014/main" id="{FA6109EF-77F0-F5C0-9B68-FD70319CA9EC}"/>
               </a:ext>
             </a:extLst>
           </p:cNvPr>
@@ -1792,7 +1792,7 @@
           <p:cNvPr id="7" name="日期占位符 6">
             <a:extLst>
               <a:ext uri="{FF2B5EF4-FFF2-40B4-BE49-F238E27FC236}">
-                <a16:creationId xmlns:a16="http://schemas.microsoft.com/office/drawing/2014/main" id="{5DA8D8A6-E0A4-A10F-CE50-BA6DD083F3D5}"/>
+                <a16:creationId xmlns:a16="http://schemas.microsoft.com/office/drawing/2014/main" id="{D3A0EA48-9EF1-BF53-EB38-314E5F87492C}"/>
               </a:ext>
             </a:extLst>
           </p:cNvPr>
@@ -1808,7 +1808,7 @@
           <a:bodyPr/>
           <a:lstStyle/>
           <a:p>
-            <a:fld id="{52542B83-950C-4C50-A61F-34AD5B9C4811}" type="datetimeFigureOut">
+            <a:fld id="{5789D219-1429-4BBB-813B-C9A2F3C61281}" type="datetimeFigureOut">
               <a:rPr lang="zh-CN" altLang="en-US" smtClean="0"/>
               <a:t>2024/3/10</a:t>
             </a:fld>
@@ -1821,7 +1821,7 @@
           <p:cNvPr id="8" name="页脚占位符 7">
             <a:extLst>
               <a:ext uri="{FF2B5EF4-FFF2-40B4-BE49-F238E27FC236}">
-                <a16:creationId xmlns:a16="http://schemas.microsoft.com/office/drawing/2014/main" id="{62BF4BC4-5AAF-09F6-4B21-E1C4EE8C88D9}"/>
+                <a16:creationId xmlns:a16="http://schemas.microsoft.com/office/drawing/2014/main" id="{32CE82C6-295E-A6DD-CE97-6F6954D62E19}"/>
               </a:ext>
             </a:extLst>
           </p:cNvPr>
@@ -1846,7 +1846,7 @@
           <p:cNvPr id="9" name="灯片编号占位符 8">
             <a:extLst>
               <a:ext uri="{FF2B5EF4-FFF2-40B4-BE49-F238E27FC236}">
-                <a16:creationId xmlns:a16="http://schemas.microsoft.com/office/drawing/2014/main" id="{E46492B9-CE59-2BFB-C36C-27706AA0FA82}"/>
+                <a16:creationId xmlns:a16="http://schemas.microsoft.com/office/drawing/2014/main" id="{496413F3-8E09-C4ED-75B1-C676122201C4}"/>
               </a:ext>
             </a:extLst>
           </p:cNvPr>
@@ -1862,7 +1862,7 @@
           <a:bodyPr/>
           <a:lstStyle/>
           <a:p>
-            <a:fld id="{61A77A04-24DD-4303-8676-AB6AA7BB8657}" type="slidenum">
+            <a:fld id="{22AA61B1-1CCB-4AC5-9AD0-C810723D13F8}" type="slidenum">
               <a:rPr lang="zh-CN" altLang="en-US" smtClean="0"/>
               <a:t>‹#›</a:t>
             </a:fld>
@@ -1873,7 +1873,7 @@
     </p:spTree>
     <p:extLst>
       <p:ext uri="{BB962C8B-B14F-4D97-AF65-F5344CB8AC3E}">
-        <p14:creationId xmlns:p14="http://schemas.microsoft.com/office/powerpoint/2010/main" val="2620990907"/>
+        <p14:creationId xmlns:p14="http://schemas.microsoft.com/office/powerpoint/2010/main" val="4199510011"/>
       </p:ext>
     </p:extLst>
   </p:cSld>
@@ -1905,7 +1905,7 @@
           <p:cNvPr id="2" name="标题 1">
             <a:extLst>
               <a:ext uri="{FF2B5EF4-FFF2-40B4-BE49-F238E27FC236}">
-                <a16:creationId xmlns:a16="http://schemas.microsoft.com/office/drawing/2014/main" id="{143A3D23-0CB0-C3CA-1FAD-CEE349DD2257}"/>
+                <a16:creationId xmlns:a16="http://schemas.microsoft.com/office/drawing/2014/main" id="{CB3817D6-7088-4B0A-9709-F5FC352C32E7}"/>
               </a:ext>
             </a:extLst>
           </p:cNvPr>
@@ -1933,7 +1933,7 @@
           <p:cNvPr id="3" name="日期占位符 2">
             <a:extLst>
               <a:ext uri="{FF2B5EF4-FFF2-40B4-BE49-F238E27FC236}">
-                <a16:creationId xmlns:a16="http://schemas.microsoft.com/office/drawing/2014/main" id="{4FD5118E-52B9-0C06-8BCA-D291D84556F5}"/>
+                <a16:creationId xmlns:a16="http://schemas.microsoft.com/office/drawing/2014/main" id="{39F7A007-347A-7B37-A238-26DF19B44DB9}"/>
               </a:ext>
             </a:extLst>
           </p:cNvPr>
@@ -1949,7 +1949,7 @@
           <a:bodyPr/>
           <a:lstStyle/>
           <a:p>
-            <a:fld id="{52542B83-950C-4C50-A61F-34AD5B9C4811}" type="datetimeFigureOut">
+            <a:fld id="{5789D219-1429-4BBB-813B-C9A2F3C61281}" type="datetimeFigureOut">
               <a:rPr lang="zh-CN" altLang="en-US" smtClean="0"/>
               <a:t>2024/3/10</a:t>
             </a:fld>
@@ -1962,7 +1962,7 @@
           <p:cNvPr id="4" name="页脚占位符 3">
             <a:extLst>
               <a:ext uri="{FF2B5EF4-FFF2-40B4-BE49-F238E27FC236}">
-                <a16:creationId xmlns:a16="http://schemas.microsoft.com/office/drawing/2014/main" id="{7B590EAE-F586-7A80-8618-FDD084C22336}"/>
+                <a16:creationId xmlns:a16="http://schemas.microsoft.com/office/drawing/2014/main" id="{4A64BE9D-79E1-5E17-308F-A81A19825CDF}"/>
               </a:ext>
             </a:extLst>
           </p:cNvPr>
@@ -1987,7 +1987,7 @@
           <p:cNvPr id="5" name="灯片编号占位符 4">
             <a:extLst>
               <a:ext uri="{FF2B5EF4-FFF2-40B4-BE49-F238E27FC236}">
-                <a16:creationId xmlns:a16="http://schemas.microsoft.com/office/drawing/2014/main" id="{0FC28920-2C1B-913F-7CC5-5D97AA4173C7}"/>
+                <a16:creationId xmlns:a16="http://schemas.microsoft.com/office/drawing/2014/main" id="{3B4785B0-303C-E668-78FC-B5A6601D90AB}"/>
               </a:ext>
             </a:extLst>
           </p:cNvPr>
@@ -2003,7 +2003,7 @@
           <a:bodyPr/>
           <a:lstStyle/>
           <a:p>
-            <a:fld id="{61A77A04-24DD-4303-8676-AB6AA7BB8657}" type="slidenum">
+            <a:fld id="{22AA61B1-1CCB-4AC5-9AD0-C810723D13F8}" type="slidenum">
               <a:rPr lang="zh-CN" altLang="en-US" smtClean="0"/>
               <a:t>‹#›</a:t>
             </a:fld>
@@ -2014,7 +2014,7 @@
     </p:spTree>
     <p:extLst>
       <p:ext uri="{BB962C8B-B14F-4D97-AF65-F5344CB8AC3E}">
-        <p14:creationId xmlns:p14="http://schemas.microsoft.com/office/powerpoint/2010/main" val="3266094953"/>
+        <p14:creationId xmlns:p14="http://schemas.microsoft.com/office/powerpoint/2010/main" val="3126393179"/>
       </p:ext>
     </p:extLst>
   </p:cSld>
@@ -2046,7 +2046,7 @@
           <p:cNvPr id="2" name="日期占位符 1">
             <a:extLst>
               <a:ext uri="{FF2B5EF4-FFF2-40B4-BE49-F238E27FC236}">
-                <a16:creationId xmlns:a16="http://schemas.microsoft.com/office/drawing/2014/main" id="{5F6D24B1-A04F-1914-2313-63B084F7E208}"/>
+                <a16:creationId xmlns:a16="http://schemas.microsoft.com/office/drawing/2014/main" id="{10015C6A-B3B0-9DC8-78A5-7F226F51F5F5}"/>
               </a:ext>
             </a:extLst>
           </p:cNvPr>
@@ -2062,7 +2062,7 @@
           <a:bodyPr/>
           <a:lstStyle/>
           <a:p>
-            <a:fld id="{52542B83-950C-4C50-A61F-34AD5B9C4811}" type="datetimeFigureOut">
+            <a:fld id="{5789D219-1429-4BBB-813B-C9A2F3C61281}" type="datetimeFigureOut">
               <a:rPr lang="zh-CN" altLang="en-US" smtClean="0"/>
               <a:t>2024/3/10</a:t>
             </a:fld>
@@ -2075,7 +2075,7 @@
           <p:cNvPr id="3" name="页脚占位符 2">
             <a:extLst>
               <a:ext uri="{FF2B5EF4-FFF2-40B4-BE49-F238E27FC236}">
-                <a16:creationId xmlns:a16="http://schemas.microsoft.com/office/drawing/2014/main" id="{00B393C2-14CD-EAD8-7544-B1B79304AE84}"/>
+                <a16:creationId xmlns:a16="http://schemas.microsoft.com/office/drawing/2014/main" id="{487DC4FD-0112-0BF5-4E21-24C324681E4A}"/>
               </a:ext>
             </a:extLst>
           </p:cNvPr>
@@ -2100,7 +2100,7 @@
           <p:cNvPr id="4" name="灯片编号占位符 3">
             <a:extLst>
               <a:ext uri="{FF2B5EF4-FFF2-40B4-BE49-F238E27FC236}">
-                <a16:creationId xmlns:a16="http://schemas.microsoft.com/office/drawing/2014/main" id="{F02179FF-C9A8-6003-A7A4-450CA413B6CF}"/>
+                <a16:creationId xmlns:a16="http://schemas.microsoft.com/office/drawing/2014/main" id="{C218D794-CAB3-07B1-4B9B-19EB010EAC43}"/>
               </a:ext>
             </a:extLst>
           </p:cNvPr>
@@ -2116,7 +2116,7 @@
           <a:bodyPr/>
           <a:lstStyle/>
           <a:p>
-            <a:fld id="{61A77A04-24DD-4303-8676-AB6AA7BB8657}" type="slidenum">
+            <a:fld id="{22AA61B1-1CCB-4AC5-9AD0-C810723D13F8}" type="slidenum">
               <a:rPr lang="zh-CN" altLang="en-US" smtClean="0"/>
               <a:t>‹#›</a:t>
             </a:fld>
@@ -2127,7 +2127,7 @@
     </p:spTree>
     <p:extLst>
       <p:ext uri="{BB962C8B-B14F-4D97-AF65-F5344CB8AC3E}">
-        <p14:creationId xmlns:p14="http://schemas.microsoft.com/office/powerpoint/2010/main" val="2646133387"/>
+        <p14:creationId xmlns:p14="http://schemas.microsoft.com/office/powerpoint/2010/main" val="711237796"/>
       </p:ext>
     </p:extLst>
   </p:cSld>
@@ -2159,7 +2159,7 @@
           <p:cNvPr id="2" name="标题 1">
             <a:extLst>
               <a:ext uri="{FF2B5EF4-FFF2-40B4-BE49-F238E27FC236}">
-                <a16:creationId xmlns:a16="http://schemas.microsoft.com/office/drawing/2014/main" id="{FF6C0A67-6BB3-94A8-1BB5-C50115CC817B}"/>
+                <a16:creationId xmlns:a16="http://schemas.microsoft.com/office/drawing/2014/main" id="{E60B2C61-9557-5D0E-63E9-6CA984F31723}"/>
               </a:ext>
             </a:extLst>
           </p:cNvPr>
@@ -2196,7 +2196,7 @@
           <p:cNvPr id="3" name="内容占位符 2">
             <a:extLst>
               <a:ext uri="{FF2B5EF4-FFF2-40B4-BE49-F238E27FC236}">
-                <a16:creationId xmlns:a16="http://schemas.microsoft.com/office/drawing/2014/main" id="{F94E7696-7D8B-86E7-8B7A-E7851E25618E}"/>
+                <a16:creationId xmlns:a16="http://schemas.microsoft.com/office/drawing/2014/main" id="{6559420C-BF22-6635-8253-D85DCFCE6AE9}"/>
               </a:ext>
             </a:extLst>
           </p:cNvPr>
@@ -2286,7 +2286,7 @@
           <p:cNvPr id="4" name="文本占位符 3">
             <a:extLst>
               <a:ext uri="{FF2B5EF4-FFF2-40B4-BE49-F238E27FC236}">
-                <a16:creationId xmlns:a16="http://schemas.microsoft.com/office/drawing/2014/main" id="{2D7430A5-13E4-FB4A-F8C4-2EF7F079A667}"/>
+                <a16:creationId xmlns:a16="http://schemas.microsoft.com/office/drawing/2014/main" id="{F29B0B8F-7626-FAC5-65D5-5A1DFDCDBB36}"/>
               </a:ext>
             </a:extLst>
           </p:cNvPr>
@@ -2357,7 +2357,7 @@
           <p:cNvPr id="5" name="日期占位符 4">
             <a:extLst>
               <a:ext uri="{FF2B5EF4-FFF2-40B4-BE49-F238E27FC236}">
-                <a16:creationId xmlns:a16="http://schemas.microsoft.com/office/drawing/2014/main" id="{8C5B80CF-3FB5-1186-A208-5A0A19B4DB94}"/>
+                <a16:creationId xmlns:a16="http://schemas.microsoft.com/office/drawing/2014/main" id="{86C64E85-753A-7BF8-124F-0B6B15FB096F}"/>
               </a:ext>
             </a:extLst>
           </p:cNvPr>
@@ -2373,7 +2373,7 @@
           <a:bodyPr/>
           <a:lstStyle/>
           <a:p>
-            <a:fld id="{52542B83-950C-4C50-A61F-34AD5B9C4811}" type="datetimeFigureOut">
+            <a:fld id="{5789D219-1429-4BBB-813B-C9A2F3C61281}" type="datetimeFigureOut">
               <a:rPr lang="zh-CN" altLang="en-US" smtClean="0"/>
               <a:t>2024/3/10</a:t>
             </a:fld>
@@ -2386,7 +2386,7 @@
           <p:cNvPr id="6" name="页脚占位符 5">
             <a:extLst>
               <a:ext uri="{FF2B5EF4-FFF2-40B4-BE49-F238E27FC236}">
-                <a16:creationId xmlns:a16="http://schemas.microsoft.com/office/drawing/2014/main" id="{6B4EFCF2-5AEA-51BB-B6FE-BD1CD295645D}"/>
+                <a16:creationId xmlns:a16="http://schemas.microsoft.com/office/drawing/2014/main" id="{8FAC5C2A-B612-94F8-EDE5-6938B2403AF0}"/>
               </a:ext>
             </a:extLst>
           </p:cNvPr>
@@ -2411,7 +2411,7 @@
           <p:cNvPr id="7" name="灯片编号占位符 6">
             <a:extLst>
               <a:ext uri="{FF2B5EF4-FFF2-40B4-BE49-F238E27FC236}">
-                <a16:creationId xmlns:a16="http://schemas.microsoft.com/office/drawing/2014/main" id="{D5A9856B-FA95-4482-F547-48FEA6E03586}"/>
+                <a16:creationId xmlns:a16="http://schemas.microsoft.com/office/drawing/2014/main" id="{07F55957-3769-8C40-252E-96A58C5042D2}"/>
               </a:ext>
             </a:extLst>
           </p:cNvPr>
@@ -2427,7 +2427,7 @@
           <a:bodyPr/>
           <a:lstStyle/>
           <a:p>
-            <a:fld id="{61A77A04-24DD-4303-8676-AB6AA7BB8657}" type="slidenum">
+            <a:fld id="{22AA61B1-1CCB-4AC5-9AD0-C810723D13F8}" type="slidenum">
               <a:rPr lang="zh-CN" altLang="en-US" smtClean="0"/>
               <a:t>‹#›</a:t>
             </a:fld>
@@ -2438,7 +2438,7 @@
     </p:spTree>
     <p:extLst>
       <p:ext uri="{BB962C8B-B14F-4D97-AF65-F5344CB8AC3E}">
-        <p14:creationId xmlns:p14="http://schemas.microsoft.com/office/powerpoint/2010/main" val="2991170570"/>
+        <p14:creationId xmlns:p14="http://schemas.microsoft.com/office/powerpoint/2010/main" val="1534267571"/>
       </p:ext>
     </p:extLst>
   </p:cSld>
@@ -2470,7 +2470,7 @@
           <p:cNvPr id="2" name="标题 1">
             <a:extLst>
               <a:ext uri="{FF2B5EF4-FFF2-40B4-BE49-F238E27FC236}">
-                <a16:creationId xmlns:a16="http://schemas.microsoft.com/office/drawing/2014/main" id="{776FD923-710D-311B-010C-8F63CD3F93A2}"/>
+                <a16:creationId xmlns:a16="http://schemas.microsoft.com/office/drawing/2014/main" id="{4145FC50-9F23-5018-079A-C973A28B1FF6}"/>
               </a:ext>
             </a:extLst>
           </p:cNvPr>
@@ -2507,7 +2507,7 @@
           <p:cNvPr id="3" name="图片占位符 2">
             <a:extLst>
               <a:ext uri="{FF2B5EF4-FFF2-40B4-BE49-F238E27FC236}">
-                <a16:creationId xmlns:a16="http://schemas.microsoft.com/office/drawing/2014/main" id="{3294F6E6-4333-ECC9-0798-4667142FE460}"/>
+                <a16:creationId xmlns:a16="http://schemas.microsoft.com/office/drawing/2014/main" id="{3FDBBBD6-55E4-4B77-D28A-DEF13D793307}"/>
               </a:ext>
             </a:extLst>
           </p:cNvPr>
@@ -2574,7 +2574,7 @@
           <p:cNvPr id="4" name="文本占位符 3">
             <a:extLst>
               <a:ext uri="{FF2B5EF4-FFF2-40B4-BE49-F238E27FC236}">
-                <a16:creationId xmlns:a16="http://schemas.microsoft.com/office/drawing/2014/main" id="{EC37CB50-C132-EAE2-46E9-6B2E82836674}"/>
+                <a16:creationId xmlns:a16="http://schemas.microsoft.com/office/drawing/2014/main" id="{A6EEE050-C205-45A0-6022-3FBF645164B3}"/>
               </a:ext>
             </a:extLst>
           </p:cNvPr>
@@ -2645,7 +2645,7 @@
           <p:cNvPr id="5" name="日期占位符 4">
             <a:extLst>
               <a:ext uri="{FF2B5EF4-FFF2-40B4-BE49-F238E27FC236}">
-                <a16:creationId xmlns:a16="http://schemas.microsoft.com/office/drawing/2014/main" id="{01C23676-DA8F-F87E-4718-90478E02D1E7}"/>
+                <a16:creationId xmlns:a16="http://schemas.microsoft.com/office/drawing/2014/main" id="{287826F2-01CC-A884-3067-A90A7083654A}"/>
               </a:ext>
             </a:extLst>
           </p:cNvPr>
@@ -2661,7 +2661,7 @@
           <a:bodyPr/>
           <a:lstStyle/>
           <a:p>
-            <a:fld id="{52542B83-950C-4C50-A61F-34AD5B9C4811}" type="datetimeFigureOut">
+            <a:fld id="{5789D219-1429-4BBB-813B-C9A2F3C61281}" type="datetimeFigureOut">
               <a:rPr lang="zh-CN" altLang="en-US" smtClean="0"/>
               <a:t>2024/3/10</a:t>
             </a:fld>
@@ -2674,7 +2674,7 @@
           <p:cNvPr id="6" name="页脚占位符 5">
             <a:extLst>
               <a:ext uri="{FF2B5EF4-FFF2-40B4-BE49-F238E27FC236}">
-                <a16:creationId xmlns:a16="http://schemas.microsoft.com/office/drawing/2014/main" id="{0A9F2DF8-89D7-F0A5-C4C2-ECD4E0770243}"/>
+                <a16:creationId xmlns:a16="http://schemas.microsoft.com/office/drawing/2014/main" id="{6340DA60-3C8E-CE8B-7078-2FD985A213D3}"/>
               </a:ext>
             </a:extLst>
           </p:cNvPr>
@@ -2699,7 +2699,7 @@
           <p:cNvPr id="7" name="灯片编号占位符 6">
             <a:extLst>
               <a:ext uri="{FF2B5EF4-FFF2-40B4-BE49-F238E27FC236}">
-                <a16:creationId xmlns:a16="http://schemas.microsoft.com/office/drawing/2014/main" id="{839EA01F-239E-5AE4-6F70-91574CEA0785}"/>
+                <a16:creationId xmlns:a16="http://schemas.microsoft.com/office/drawing/2014/main" id="{28151B24-04B2-F466-B31B-C1B1DBE08292}"/>
               </a:ext>
             </a:extLst>
           </p:cNvPr>
@@ -2715,7 +2715,7 @@
           <a:bodyPr/>
           <a:lstStyle/>
           <a:p>
-            <a:fld id="{61A77A04-24DD-4303-8676-AB6AA7BB8657}" type="slidenum">
+            <a:fld id="{22AA61B1-1CCB-4AC5-9AD0-C810723D13F8}" type="slidenum">
               <a:rPr lang="zh-CN" altLang="en-US" smtClean="0"/>
               <a:t>‹#›</a:t>
             </a:fld>
@@ -2726,7 +2726,7 @@
     </p:spTree>
     <p:extLst>
       <p:ext uri="{BB962C8B-B14F-4D97-AF65-F5344CB8AC3E}">
-        <p14:creationId xmlns:p14="http://schemas.microsoft.com/office/powerpoint/2010/main" val="2679856618"/>
+        <p14:creationId xmlns:p14="http://schemas.microsoft.com/office/powerpoint/2010/main" val="2097333350"/>
       </p:ext>
     </p:extLst>
   </p:cSld>
@@ -2763,7 +2763,7 @@
           <p:cNvPr id="2" name="标题占位符 1">
             <a:extLst>
               <a:ext uri="{FF2B5EF4-FFF2-40B4-BE49-F238E27FC236}">
-                <a16:creationId xmlns:a16="http://schemas.microsoft.com/office/drawing/2014/main" id="{40B51CD2-A910-A28B-1715-0616AFAE0245}"/>
+                <a16:creationId xmlns:a16="http://schemas.microsoft.com/office/drawing/2014/main" id="{2E7DDD91-62A1-7AC3-23A2-46901F75F131}"/>
               </a:ext>
             </a:extLst>
           </p:cNvPr>
@@ -2801,7 +2801,7 @@
           <p:cNvPr id="3" name="文本占位符 2">
             <a:extLst>
               <a:ext uri="{FF2B5EF4-FFF2-40B4-BE49-F238E27FC236}">
-                <a16:creationId xmlns:a16="http://schemas.microsoft.com/office/drawing/2014/main" id="{06637CDC-D40B-EF16-4043-54BB81B6971A}"/>
+                <a16:creationId xmlns:a16="http://schemas.microsoft.com/office/drawing/2014/main" id="{C9C4978D-C15D-9DCD-F370-6906AADCB412}"/>
               </a:ext>
             </a:extLst>
           </p:cNvPr>
@@ -2868,7 +2868,7 @@
           <p:cNvPr id="4" name="日期占位符 3">
             <a:extLst>
               <a:ext uri="{FF2B5EF4-FFF2-40B4-BE49-F238E27FC236}">
-                <a16:creationId xmlns:a16="http://schemas.microsoft.com/office/drawing/2014/main" id="{EEBC76EC-5CB5-C219-4353-41763BA3BADD}"/>
+                <a16:creationId xmlns:a16="http://schemas.microsoft.com/office/drawing/2014/main" id="{0E0138C6-E7BD-BEE2-ED1B-E3A2508EE2FA}"/>
               </a:ext>
             </a:extLst>
           </p:cNvPr>
@@ -2902,7 +2902,7 @@
             </a:lvl1pPr>
           </a:lstStyle>
           <a:p>
-            <a:fld id="{52542B83-950C-4C50-A61F-34AD5B9C4811}" type="datetimeFigureOut">
+            <a:fld id="{5789D219-1429-4BBB-813B-C9A2F3C61281}" type="datetimeFigureOut">
               <a:rPr lang="zh-CN" altLang="en-US" smtClean="0"/>
               <a:t>2024/3/10</a:t>
             </a:fld>
@@ -2915,7 +2915,7 @@
           <p:cNvPr id="5" name="页脚占位符 4">
             <a:extLst>
               <a:ext uri="{FF2B5EF4-FFF2-40B4-BE49-F238E27FC236}">
-                <a16:creationId xmlns:a16="http://schemas.microsoft.com/office/drawing/2014/main" id="{5C4F585B-71BD-D2DC-213B-5A2F5056438F}"/>
+                <a16:creationId xmlns:a16="http://schemas.microsoft.com/office/drawing/2014/main" id="{818DE516-885C-547A-FE6D-12ABF320AA32}"/>
               </a:ext>
             </a:extLst>
           </p:cNvPr>
@@ -2958,7 +2958,7 @@
           <p:cNvPr id="6" name="灯片编号占位符 5">
             <a:extLst>
               <a:ext uri="{FF2B5EF4-FFF2-40B4-BE49-F238E27FC236}">
-                <a16:creationId xmlns:a16="http://schemas.microsoft.com/office/drawing/2014/main" id="{9702502F-0DF0-9CF1-A593-8BB7D6FD991E}"/>
+                <a16:creationId xmlns:a16="http://schemas.microsoft.com/office/drawing/2014/main" id="{EB1A5635-9E02-5CF2-F19F-E2F6C065E9C5}"/>
               </a:ext>
             </a:extLst>
           </p:cNvPr>
@@ -2992,7 +2992,7 @@
             </a:lvl1pPr>
           </a:lstStyle>
           <a:p>
-            <a:fld id="{61A77A04-24DD-4303-8676-AB6AA7BB8657}" type="slidenum">
+            <a:fld id="{22AA61B1-1CCB-4AC5-9AD0-C810723D13F8}" type="slidenum">
               <a:rPr lang="zh-CN" altLang="en-US" smtClean="0"/>
               <a:t>‹#›</a:t>
             </a:fld>
@@ -3003,7 +3003,7 @@
     </p:spTree>
     <p:extLst>
       <p:ext uri="{BB962C8B-B14F-4D97-AF65-F5344CB8AC3E}">
-        <p14:creationId xmlns:p14="http://schemas.microsoft.com/office/powerpoint/2010/main" val="3685162175"/>
+        <p14:creationId xmlns:p14="http://schemas.microsoft.com/office/powerpoint/2010/main" val="107876193"/>
       </p:ext>
     </p:extLst>
   </p:cSld>
